--- a/KOPO-Spring(윤교수님)/스프링(v2023)/스프링_4강 junit test.pptx
+++ b/KOPO-Spring(윤교수님)/스프링(v2023)/스프링_4강 junit test.pptx
@@ -7,13 +7,16 @@
     <p:sldMasterId id="2147484008" r:id="rId3"/>
   </p:sldMasterIdLst>
   <p:notesMasterIdLst>
-    <p:notesMasterId r:id="rId8"/>
+    <p:notesMasterId r:id="rId11"/>
   </p:notesMasterIdLst>
   <p:sldIdLst>
     <p:sldId id="694" r:id="rId4"/>
     <p:sldId id="961" r:id="rId5"/>
     <p:sldId id="1008" r:id="rId6"/>
-    <p:sldId id="1009" r:id="rId7"/>
+    <p:sldId id="1011" r:id="rId7"/>
+    <p:sldId id="1009" r:id="rId8"/>
+    <p:sldId id="1012" r:id="rId9"/>
+    <p:sldId id="1013" r:id="rId10"/>
   </p:sldIdLst>
   <p:sldSz cx="9906000" cy="6858000" type="A4"/>
   <p:notesSz cx="6802438" cy="9934575"/>
@@ -7587,7 +7590,1154 @@
     </p:spTree>
     <p:extLst>
       <p:ext uri="{BB962C8B-B14F-4D97-AF65-F5344CB8AC3E}">
+        <p14:creationId xmlns:p14="http://schemas.microsoft.com/office/powerpoint/2010/main" val="2656564823"/>
+      </p:ext>
+    </p:extLst>
+  </p:cSld>
+  <p:clrMapOvr>
+    <a:masterClrMapping/>
+  </p:clrMapOvr>
+  <p:timing>
+    <p:tnLst>
+      <p:par>
+        <p:cTn id="1" dur="indefinite" restart="never" nodeType="tmRoot"/>
+      </p:par>
+    </p:tnLst>
+  </p:timing>
+</p:sld>
+</file>
+
+<file path=ppt/slides/slide5.xml><?xml version="1.0" encoding="utf-8"?>
+<p:sld xmlns:a="http://schemas.openxmlformats.org/drawingml/2006/main" xmlns:r="http://schemas.openxmlformats.org/officeDocument/2006/relationships" xmlns:p="http://schemas.openxmlformats.org/presentationml/2006/main">
+  <p:cSld>
+    <p:spTree>
+      <p:nvGrpSpPr>
+        <p:cNvPr id="1" name=""/>
+        <p:cNvGrpSpPr/>
+        <p:nvPr/>
+      </p:nvGrpSpPr>
+      <p:grpSpPr>
+        <a:xfrm>
+          <a:off x="0" y="0"/>
+          <a:ext cx="0" cy="0"/>
+          <a:chOff x="0" y="0"/>
+          <a:chExt cx="0" cy="0"/>
+        </a:xfrm>
+      </p:grpSpPr>
+      <p:sp>
+        <p:nvSpPr>
+          <p:cNvPr id="331781" name="Rectangle 2"/>
+          <p:cNvSpPr>
+            <a:spLocks noChangeArrowheads="1"/>
+          </p:cNvSpPr>
+          <p:nvPr/>
+        </p:nvSpPr>
+        <p:spPr bwMode="auto">
+          <a:xfrm>
+            <a:off x="273050" y="0"/>
+            <a:ext cx="9504363" cy="692150"/>
+          </a:xfrm>
+          <a:prstGeom prst="rect">
+            <a:avLst/>
+          </a:prstGeom>
+          <a:noFill/>
+          <a:ln w="9525">
+            <a:noFill/>
+            <a:miter lim="800000"/>
+            <a:headEnd/>
+            <a:tailEnd/>
+          </a:ln>
+        </p:spPr>
+        <p:txBody>
+          <a:bodyPr anchor="ctr" anchorCtr="0"/>
+          <a:lstStyle/>
+          <a:p>
+            <a:pPr eaLnBrk="1" hangingPunct="1">
+              <a:spcBef>
+                <a:spcPct val="0"/>
+              </a:spcBef>
+              <a:buClrTx/>
+            </a:pPr>
+            <a:endParaRPr lang="ko-KR" altLang="en-US" sz="1800" dirty="0">
+              <a:solidFill>
+                <a:schemeClr val="bg1"/>
+              </a:solidFill>
+            </a:endParaRPr>
+          </a:p>
+        </p:txBody>
+      </p:sp>
+      <p:sp>
+        <p:nvSpPr>
+          <p:cNvPr id="6179" name="슬라이드 번호 개체 틀 13"/>
+          <p:cNvSpPr txBox="1">
+            <a:spLocks noGrp="1"/>
+          </p:cNvSpPr>
+          <p:nvPr/>
+        </p:nvSpPr>
+        <p:spPr bwMode="auto">
+          <a:xfrm>
+            <a:off x="4665663" y="6538913"/>
+            <a:ext cx="557212" cy="304800"/>
+          </a:xfrm>
+          <a:prstGeom prst="rect">
+            <a:avLst/>
+          </a:prstGeom>
+          <a:noFill/>
+          <a:ln>
+            <a:miter lim="800000"/>
+            <a:headEnd/>
+            <a:tailEnd/>
+          </a:ln>
+        </p:spPr>
+        <p:txBody>
+          <a:bodyPr anchor="ctr"/>
+          <a:lstStyle/>
+          <a:p>
+            <a:pPr algn="ctr" eaLnBrk="1" hangingPunct="1">
+              <a:spcBef>
+                <a:spcPct val="0"/>
+              </a:spcBef>
+              <a:buClrTx/>
+              <a:defRPr/>
+            </a:pPr>
+            <a:fld id="{69188C54-76CB-4412-96DE-3B5465248ED9}" type="slidenum">
+              <a:rPr lang="en-US" altLang="ko-KR" sz="1100" b="0"/>
+              <a:pPr algn="ctr" eaLnBrk="1" hangingPunct="1">
+                <a:spcBef>
+                  <a:spcPct val="0"/>
+                </a:spcBef>
+                <a:buClrTx/>
+                <a:defRPr/>
+              </a:pPr>
+              <a:t>4</a:t>
+            </a:fld>
+            <a:endParaRPr lang="en-US" altLang="ko-KR" sz="1100" b="0"/>
+          </a:p>
+        </p:txBody>
+      </p:sp>
+      <p:sp>
+        <p:nvSpPr>
+          <p:cNvPr id="8" name="Rectangle 3"/>
+          <p:cNvSpPr txBox="1">
+            <a:spLocks noChangeArrowheads="1"/>
+          </p:cNvSpPr>
+          <p:nvPr/>
+        </p:nvSpPr>
+        <p:spPr bwMode="auto">
+          <a:xfrm>
+            <a:off x="668433" y="126767"/>
+            <a:ext cx="5078162" cy="438615"/>
+          </a:xfrm>
+          <a:prstGeom prst="rect">
+            <a:avLst/>
+          </a:prstGeom>
+          <a:noFill/>
+          <a:ln w="9525">
+            <a:noFill/>
+            <a:miter lim="800000"/>
+            <a:headEnd/>
+            <a:tailEnd/>
+          </a:ln>
+        </p:spPr>
+        <p:txBody>
+          <a:bodyPr/>
+          <a:lstStyle/>
+          <a:p>
+            <a:pPr>
+              <a:spcBef>
+                <a:spcPct val="0"/>
+              </a:spcBef>
+            </a:pPr>
+            <a:r>
+              <a:rPr lang="en-US" altLang="ko-KR" sz="1800" dirty="0"/>
+              <a:t>4. </a:t>
+            </a:r>
+            <a:r>
+              <a:rPr lang="ko-KR" altLang="en-US" sz="1800" dirty="0" smtClean="0"/>
+              <a:t>실습하기</a:t>
+            </a:r>
+            <a:endParaRPr lang="en-US" altLang="ko-KR" sz="1800" dirty="0"/>
+          </a:p>
+        </p:txBody>
+      </p:sp>
+      <p:sp>
+        <p:nvSpPr>
+          <p:cNvPr id="9" name="직사각형 2"/>
+          <p:cNvSpPr>
+            <a:spLocks noChangeArrowheads="1"/>
+          </p:cNvSpPr>
+          <p:nvPr/>
+        </p:nvSpPr>
+        <p:spPr bwMode="auto">
+          <a:xfrm>
+            <a:off x="668433" y="818917"/>
+            <a:ext cx="7948024" cy="1066126"/>
+          </a:xfrm>
+          <a:prstGeom prst="rect">
+            <a:avLst/>
+          </a:prstGeom>
+          <a:noFill/>
+          <a:ln>
+            <a:noFill/>
+          </a:ln>
+          <a:extLst>
+            <a:ext uri="{909E8E84-426E-40DD-AFC4-6F175D3DCCD1}">
+              <a14:hiddenFill xmlns:a14="http://schemas.microsoft.com/office/drawing/2010/main">
+                <a:solidFill>
+                  <a:srgbClr val="FFFFFF"/>
+                </a:solidFill>
+              </a14:hiddenFill>
+            </a:ext>
+            <a:ext uri="{91240B29-F687-4F45-9708-019B960494DF}">
+              <a14:hiddenLine xmlns:a14="http://schemas.microsoft.com/office/drawing/2010/main" w="9525">
+                <a:solidFill>
+                  <a:srgbClr val="000000"/>
+                </a:solidFill>
+                <a:miter lim="800000"/>
+                <a:headEnd/>
+                <a:tailEnd/>
+              </a14:hiddenLine>
+            </a:ext>
+          </a:extLst>
+        </p:spPr>
+        <p:txBody>
+          <a:bodyPr>
+            <a:spAutoFit/>
+          </a:bodyPr>
+          <a:lstStyle/>
+          <a:p>
+            <a:pPr>
+              <a:defRPr/>
+            </a:pPr>
+            <a:r>
+              <a:rPr lang="en-US" altLang="ko-KR" sz="1367" dirty="0" smtClean="0"/>
+              <a:t>1</a:t>
+            </a:r>
+            <a:r>
+              <a:rPr lang="en-US" altLang="ko-KR" sz="1367" smtClean="0"/>
+              <a:t>. </a:t>
+            </a:r>
+            <a:r>
+              <a:rPr lang="en-US" altLang="ko-KR" sz="1367" smtClean="0"/>
+              <a:t>pom.xml </a:t>
+            </a:r>
+            <a:r>
+              <a:rPr lang="ko-KR" altLang="en-US" sz="1367" dirty="0" smtClean="0"/>
+              <a:t>추가</a:t>
+            </a:r>
+            <a:endParaRPr lang="en-US" altLang="ko-KR" sz="1367" dirty="0" smtClean="0"/>
+          </a:p>
+          <a:p>
+            <a:r>
+              <a:rPr lang="en-US" altLang="ko-KR" sz="1400" smtClean="0"/>
+              <a:t>- project / build / </a:t>
+            </a:r>
+            <a:r>
+              <a:rPr lang="en-US" altLang="ko-KR" sz="1400" smtClean="0"/>
+              <a:t>plugins </a:t>
+            </a:r>
+            <a:r>
+              <a:rPr lang="ko-KR" altLang="en-US" sz="1400" smtClean="0"/>
+              <a:t>아래</a:t>
+            </a:r>
+            <a:r>
+              <a:rPr lang="ko-KR" altLang="en-US" sz="1400" smtClean="0"/>
+              <a:t>에</a:t>
+            </a:r>
+            <a:r>
+              <a:rPr lang="en-US" altLang="ko-KR" sz="1400" smtClean="0"/>
+              <a:t> </a:t>
+            </a:r>
+            <a:r>
+              <a:rPr lang="ko-KR" altLang="en-US" sz="1400" smtClean="0"/>
+              <a:t>코드 추가</a:t>
+            </a:r>
+            <a:endParaRPr lang="en-US" altLang="ko-KR" sz="1400" smtClean="0"/>
+          </a:p>
+          <a:p>
+            <a:pPr>
+              <a:defRPr/>
+            </a:pPr>
+            <a:endParaRPr lang="en-US" altLang="ko-KR" sz="1367" smtClean="0"/>
+          </a:p>
+          <a:p>
+            <a:pPr marL="279092" indent="-279092">
+              <a:buFontTx/>
+              <a:buChar char="-"/>
+              <a:defRPr/>
+            </a:pPr>
+            <a:endParaRPr lang="ko-KR" altLang="en-US" sz="1367" dirty="0"/>
+          </a:p>
+        </p:txBody>
+      </p:sp>
+      <p:pic>
+        <p:nvPicPr>
+          <p:cNvPr id="2" name="그림 1"/>
+          <p:cNvPicPr>
+            <a:picLocks noChangeAspect="1"/>
+          </p:cNvPicPr>
+          <p:nvPr/>
+        </p:nvPicPr>
+        <p:blipFill>
+          <a:blip r:embed="rId2"/>
+          <a:stretch>
+            <a:fillRect/>
+          </a:stretch>
+        </p:blipFill>
+        <p:spPr>
+          <a:xfrm>
+            <a:off x="2424737" y="2236070"/>
+            <a:ext cx="4435415" cy="3283247"/>
+          </a:xfrm>
+          <a:prstGeom prst="rect">
+            <a:avLst/>
+          </a:prstGeom>
+        </p:spPr>
+      </p:pic>
+    </p:spTree>
+    <p:extLst>
+      <p:ext uri="{BB962C8B-B14F-4D97-AF65-F5344CB8AC3E}">
         <p14:creationId xmlns:p14="http://schemas.microsoft.com/office/powerpoint/2010/main" val="3029072467"/>
+      </p:ext>
+    </p:extLst>
+  </p:cSld>
+  <p:clrMapOvr>
+    <a:masterClrMapping/>
+  </p:clrMapOvr>
+  <p:timing>
+    <p:tnLst>
+      <p:par>
+        <p:cTn id="1" dur="indefinite" restart="never" nodeType="tmRoot"/>
+      </p:par>
+    </p:tnLst>
+  </p:timing>
+</p:sld>
+</file>
+
+<file path=ppt/slides/slide6.xml><?xml version="1.0" encoding="utf-8"?>
+<p:sld xmlns:a="http://schemas.openxmlformats.org/drawingml/2006/main" xmlns:r="http://schemas.openxmlformats.org/officeDocument/2006/relationships" xmlns:p="http://schemas.openxmlformats.org/presentationml/2006/main">
+  <p:cSld>
+    <p:spTree>
+      <p:nvGrpSpPr>
+        <p:cNvPr id="1" name=""/>
+        <p:cNvGrpSpPr/>
+        <p:nvPr/>
+      </p:nvGrpSpPr>
+      <p:grpSpPr>
+        <a:xfrm>
+          <a:off x="0" y="0"/>
+          <a:ext cx="0" cy="0"/>
+          <a:chOff x="0" y="0"/>
+          <a:chExt cx="0" cy="0"/>
+        </a:xfrm>
+      </p:grpSpPr>
+      <p:sp>
+        <p:nvSpPr>
+          <p:cNvPr id="331781" name="Rectangle 2"/>
+          <p:cNvSpPr>
+            <a:spLocks noChangeArrowheads="1"/>
+          </p:cNvSpPr>
+          <p:nvPr/>
+        </p:nvSpPr>
+        <p:spPr bwMode="auto">
+          <a:xfrm>
+            <a:off x="273050" y="0"/>
+            <a:ext cx="9504363" cy="692150"/>
+          </a:xfrm>
+          <a:prstGeom prst="rect">
+            <a:avLst/>
+          </a:prstGeom>
+          <a:noFill/>
+          <a:ln w="9525">
+            <a:noFill/>
+            <a:miter lim="800000"/>
+            <a:headEnd/>
+            <a:tailEnd/>
+          </a:ln>
+        </p:spPr>
+        <p:txBody>
+          <a:bodyPr anchor="ctr" anchorCtr="0"/>
+          <a:lstStyle/>
+          <a:p>
+            <a:pPr eaLnBrk="1" hangingPunct="1">
+              <a:spcBef>
+                <a:spcPct val="0"/>
+              </a:spcBef>
+              <a:buClrTx/>
+            </a:pPr>
+            <a:endParaRPr lang="ko-KR" altLang="en-US" sz="1800" dirty="0">
+              <a:solidFill>
+                <a:schemeClr val="bg1"/>
+              </a:solidFill>
+            </a:endParaRPr>
+          </a:p>
+        </p:txBody>
+      </p:sp>
+      <p:sp>
+        <p:nvSpPr>
+          <p:cNvPr id="6179" name="슬라이드 번호 개체 틀 13"/>
+          <p:cNvSpPr txBox="1">
+            <a:spLocks noGrp="1"/>
+          </p:cNvSpPr>
+          <p:nvPr/>
+        </p:nvSpPr>
+        <p:spPr bwMode="auto">
+          <a:xfrm>
+            <a:off x="4665663" y="6538913"/>
+            <a:ext cx="557212" cy="304800"/>
+          </a:xfrm>
+          <a:prstGeom prst="rect">
+            <a:avLst/>
+          </a:prstGeom>
+          <a:noFill/>
+          <a:ln>
+            <a:miter lim="800000"/>
+            <a:headEnd/>
+            <a:tailEnd/>
+          </a:ln>
+        </p:spPr>
+        <p:txBody>
+          <a:bodyPr anchor="ctr"/>
+          <a:lstStyle/>
+          <a:p>
+            <a:pPr algn="ctr" eaLnBrk="1" hangingPunct="1">
+              <a:spcBef>
+                <a:spcPct val="0"/>
+              </a:spcBef>
+              <a:buClrTx/>
+              <a:defRPr/>
+            </a:pPr>
+            <a:fld id="{69188C54-76CB-4412-96DE-3B5465248ED9}" type="slidenum">
+              <a:rPr lang="en-US" altLang="ko-KR" sz="1100" b="0"/>
+              <a:pPr algn="ctr" eaLnBrk="1" hangingPunct="1">
+                <a:spcBef>
+                  <a:spcPct val="0"/>
+                </a:spcBef>
+                <a:buClrTx/>
+                <a:defRPr/>
+              </a:pPr>
+              <a:t>5</a:t>
+            </a:fld>
+            <a:endParaRPr lang="en-US" altLang="ko-KR" sz="1100" b="0"/>
+          </a:p>
+        </p:txBody>
+      </p:sp>
+      <p:sp>
+        <p:nvSpPr>
+          <p:cNvPr id="8" name="Rectangle 3"/>
+          <p:cNvSpPr txBox="1">
+            <a:spLocks noChangeArrowheads="1"/>
+          </p:cNvSpPr>
+          <p:nvPr/>
+        </p:nvSpPr>
+        <p:spPr bwMode="auto">
+          <a:xfrm>
+            <a:off x="668433" y="126767"/>
+            <a:ext cx="5078162" cy="438615"/>
+          </a:xfrm>
+          <a:prstGeom prst="rect">
+            <a:avLst/>
+          </a:prstGeom>
+          <a:noFill/>
+          <a:ln w="9525">
+            <a:noFill/>
+            <a:miter lim="800000"/>
+            <a:headEnd/>
+            <a:tailEnd/>
+          </a:ln>
+        </p:spPr>
+        <p:txBody>
+          <a:bodyPr/>
+          <a:lstStyle/>
+          <a:p>
+            <a:pPr>
+              <a:spcBef>
+                <a:spcPct val="0"/>
+              </a:spcBef>
+            </a:pPr>
+            <a:r>
+              <a:rPr lang="en-US" altLang="ko-KR" sz="1800" dirty="0"/>
+              <a:t>4. </a:t>
+            </a:r>
+            <a:r>
+              <a:rPr lang="ko-KR" altLang="en-US" sz="1800" dirty="0" smtClean="0"/>
+              <a:t>실습하기</a:t>
+            </a:r>
+            <a:endParaRPr lang="en-US" altLang="ko-KR" sz="1800" dirty="0"/>
+          </a:p>
+        </p:txBody>
+      </p:sp>
+      <p:sp>
+        <p:nvSpPr>
+          <p:cNvPr id="9" name="직사각형 2"/>
+          <p:cNvSpPr>
+            <a:spLocks noChangeArrowheads="1"/>
+          </p:cNvSpPr>
+          <p:nvPr/>
+        </p:nvSpPr>
+        <p:spPr bwMode="auto">
+          <a:xfrm>
+            <a:off x="668433" y="818917"/>
+            <a:ext cx="7948024" cy="524311"/>
+          </a:xfrm>
+          <a:prstGeom prst="rect">
+            <a:avLst/>
+          </a:prstGeom>
+          <a:noFill/>
+          <a:ln>
+            <a:noFill/>
+          </a:ln>
+          <a:extLst>
+            <a:ext uri="{909E8E84-426E-40DD-AFC4-6F175D3DCCD1}">
+              <a14:hiddenFill xmlns:a14="http://schemas.microsoft.com/office/drawing/2010/main">
+                <a:solidFill>
+                  <a:srgbClr val="FFFFFF"/>
+                </a:solidFill>
+              </a14:hiddenFill>
+            </a:ext>
+            <a:ext uri="{91240B29-F687-4F45-9708-019B960494DF}">
+              <a14:hiddenLine xmlns:a14="http://schemas.microsoft.com/office/drawing/2010/main" w="9525">
+                <a:solidFill>
+                  <a:srgbClr val="000000"/>
+                </a:solidFill>
+                <a:miter lim="800000"/>
+                <a:headEnd/>
+                <a:tailEnd/>
+              </a14:hiddenLine>
+            </a:ext>
+          </a:extLst>
+        </p:spPr>
+        <p:txBody>
+          <a:bodyPr>
+            <a:spAutoFit/>
+          </a:bodyPr>
+          <a:lstStyle/>
+          <a:p>
+            <a:pPr>
+              <a:defRPr/>
+            </a:pPr>
+            <a:r>
+              <a:rPr lang="en-US" altLang="ko-KR" sz="1367" dirty="0" smtClean="0"/>
+              <a:t>1</a:t>
+            </a:r>
+            <a:r>
+              <a:rPr lang="en-US" altLang="ko-KR" sz="1367" smtClean="0"/>
+              <a:t>. </a:t>
+            </a:r>
+            <a:r>
+              <a:rPr lang="en-US" altLang="ko-KR" sz="1367" smtClean="0"/>
+              <a:t>test </a:t>
+            </a:r>
+            <a:r>
+              <a:rPr lang="ko-KR" altLang="en-US" sz="1367" smtClean="0"/>
+              <a:t>실행</a:t>
+            </a:r>
+            <a:endParaRPr lang="en-US" altLang="ko-KR" sz="1367" smtClean="0"/>
+          </a:p>
+          <a:p>
+            <a:pPr marL="279092" indent="-279092">
+              <a:buFontTx/>
+              <a:buChar char="-"/>
+              <a:defRPr/>
+            </a:pPr>
+            <a:r>
+              <a:rPr lang="en-US" altLang="ko-KR" sz="1200" smtClean="0"/>
+              <a:t>index.html </a:t>
+            </a:r>
+            <a:r>
+              <a:rPr lang="ko-KR" altLang="en-US" sz="1200" smtClean="0"/>
+              <a:t>실행</a:t>
+            </a:r>
+            <a:endParaRPr lang="ko-KR" altLang="en-US" sz="1367" dirty="0"/>
+          </a:p>
+        </p:txBody>
+      </p:sp>
+      <p:pic>
+        <p:nvPicPr>
+          <p:cNvPr id="3" name="그림 2"/>
+          <p:cNvPicPr>
+            <a:picLocks noChangeAspect="1"/>
+          </p:cNvPicPr>
+          <p:nvPr/>
+        </p:nvPicPr>
+        <p:blipFill>
+          <a:blip r:embed="rId2"/>
+          <a:stretch>
+            <a:fillRect/>
+          </a:stretch>
+        </p:blipFill>
+        <p:spPr>
+          <a:xfrm>
+            <a:off x="480406" y="2304288"/>
+            <a:ext cx="5133943" cy="2365336"/>
+          </a:xfrm>
+          <a:prstGeom prst="rect">
+            <a:avLst/>
+          </a:prstGeom>
+        </p:spPr>
+      </p:pic>
+      <p:sp>
+        <p:nvSpPr>
+          <p:cNvPr id="4" name="직사각형 3"/>
+          <p:cNvSpPr/>
+          <p:nvPr/>
+        </p:nvSpPr>
+        <p:spPr bwMode="auto">
+          <a:xfrm>
+            <a:off x="2939469" y="3696695"/>
+            <a:ext cx="962151" cy="187676"/>
+          </a:xfrm>
+          <a:prstGeom prst="rect">
+            <a:avLst/>
+          </a:prstGeom>
+          <a:noFill/>
+          <a:ln w="38100" cap="flat" cmpd="sng" algn="ctr">
+            <a:solidFill>
+              <a:srgbClr val="FF0000"/>
+            </a:solidFill>
+            <a:prstDash val="solid"/>
+            <a:round/>
+            <a:headEnd type="none" w="med" len="med"/>
+            <a:tailEnd type="none" w="med" len="med"/>
+          </a:ln>
+          <a:effectLst/>
+        </p:spPr>
+        <p:txBody>
+          <a:bodyPr vert="horz" wrap="square" lIns="90000" tIns="46800" rIns="90000" bIns="46800" numCol="1" rtlCol="0" anchor="t" anchorCtr="0" compatLnSpc="1">
+            <a:prstTxWarp prst="textNoShape">
+              <a:avLst/>
+            </a:prstTxWarp>
+            <a:spAutoFit/>
+          </a:bodyPr>
+          <a:lstStyle/>
+          <a:p>
+            <a:pPr marL="0" marR="0" indent="0" algn="l" defTabSz="914400" rtl="0" eaLnBrk="1" fontAlgn="base" latinLnBrk="0" hangingPunct="1">
+              <a:lnSpc>
+                <a:spcPct val="100000"/>
+              </a:lnSpc>
+              <a:spcBef>
+                <a:spcPct val="20000"/>
+              </a:spcBef>
+              <a:spcAft>
+                <a:spcPct val="0"/>
+              </a:spcAft>
+              <a:buClr>
+                <a:schemeClr val="bg2"/>
+              </a:buClr>
+              <a:buSzPct val="100000"/>
+              <a:buFontTx/>
+              <a:buChar char="•"/>
+              <a:tabLst/>
+            </a:pPr>
+            <a:endParaRPr kumimoji="0" lang="ko-KR" altLang="en-US" sz="1000" b="0" i="0" u="none" strike="noStrike" cap="none" normalizeH="0" baseline="0" smtClean="0">
+              <a:ln>
+                <a:noFill/>
+              </a:ln>
+              <a:solidFill>
+                <a:schemeClr val="tx1"/>
+              </a:solidFill>
+              <a:effectLst/>
+              <a:latin typeface="Arial" charset="0"/>
+              <a:ea typeface="가는각진제목체" pitchFamily="18" charset="-127"/>
+            </a:endParaRPr>
+          </a:p>
+        </p:txBody>
+      </p:sp>
+      <p:pic>
+        <p:nvPicPr>
+          <p:cNvPr id="5" name="그림 4"/>
+          <p:cNvPicPr>
+            <a:picLocks noChangeAspect="1"/>
+          </p:cNvPicPr>
+          <p:nvPr/>
+        </p:nvPicPr>
+        <p:blipFill>
+          <a:blip r:embed="rId3"/>
+          <a:stretch>
+            <a:fillRect/>
+          </a:stretch>
+        </p:blipFill>
+        <p:spPr>
+          <a:xfrm>
+            <a:off x="6274973" y="2068936"/>
+            <a:ext cx="2876951" cy="2600688"/>
+          </a:xfrm>
+          <a:prstGeom prst="rect">
+            <a:avLst/>
+          </a:prstGeom>
+        </p:spPr>
+      </p:pic>
+      <p:sp>
+        <p:nvSpPr>
+          <p:cNvPr id="10" name="직사각형 9"/>
+          <p:cNvSpPr/>
+          <p:nvPr/>
+        </p:nvSpPr>
+        <p:spPr bwMode="auto">
+          <a:xfrm>
+            <a:off x="6449546" y="2750854"/>
+            <a:ext cx="2789552" cy="2004025"/>
+          </a:xfrm>
+          <a:prstGeom prst="rect">
+            <a:avLst/>
+          </a:prstGeom>
+          <a:noFill/>
+          <a:ln w="38100" cap="flat" cmpd="sng" algn="ctr">
+            <a:solidFill>
+              <a:srgbClr val="FF0000"/>
+            </a:solidFill>
+            <a:prstDash val="solid"/>
+            <a:round/>
+            <a:headEnd type="none" w="med" len="med"/>
+            <a:tailEnd type="none" w="med" len="med"/>
+          </a:ln>
+          <a:effectLst/>
+        </p:spPr>
+        <p:txBody>
+          <a:bodyPr vert="horz" wrap="square" lIns="90000" tIns="46800" rIns="90000" bIns="46800" numCol="1" rtlCol="0" anchor="t" anchorCtr="0" compatLnSpc="1">
+            <a:prstTxWarp prst="textNoShape">
+              <a:avLst/>
+            </a:prstTxWarp>
+            <a:spAutoFit/>
+          </a:bodyPr>
+          <a:lstStyle/>
+          <a:p>
+            <a:pPr marL="0" marR="0" indent="0" algn="l" defTabSz="914400" rtl="0" eaLnBrk="1" fontAlgn="base" latinLnBrk="0" hangingPunct="1">
+              <a:lnSpc>
+                <a:spcPct val="100000"/>
+              </a:lnSpc>
+              <a:spcBef>
+                <a:spcPct val="20000"/>
+              </a:spcBef>
+              <a:spcAft>
+                <a:spcPct val="0"/>
+              </a:spcAft>
+              <a:buClr>
+                <a:schemeClr val="bg2"/>
+              </a:buClr>
+              <a:buSzPct val="100000"/>
+              <a:buFontTx/>
+              <a:buChar char="•"/>
+              <a:tabLst/>
+            </a:pPr>
+            <a:endParaRPr kumimoji="0" lang="ko-KR" altLang="en-US" sz="1000" b="0" i="0" u="none" strike="noStrike" cap="none" normalizeH="0" baseline="0" smtClean="0">
+              <a:ln>
+                <a:noFill/>
+              </a:ln>
+              <a:solidFill>
+                <a:schemeClr val="tx1"/>
+              </a:solidFill>
+              <a:effectLst/>
+              <a:latin typeface="Arial" charset="0"/>
+              <a:ea typeface="가는각진제목체" pitchFamily="18" charset="-127"/>
+            </a:endParaRPr>
+          </a:p>
+        </p:txBody>
+      </p:sp>
+      <p:sp>
+        <p:nvSpPr>
+          <p:cNvPr id="11" name="직사각형 10"/>
+          <p:cNvSpPr/>
+          <p:nvPr/>
+        </p:nvSpPr>
+        <p:spPr bwMode="auto">
+          <a:xfrm>
+            <a:off x="6876288" y="3950209"/>
+            <a:ext cx="914400" cy="182880"/>
+          </a:xfrm>
+          <a:prstGeom prst="rect">
+            <a:avLst/>
+          </a:prstGeom>
+          <a:noFill/>
+          <a:ln w="38100" cap="flat" cmpd="sng" algn="ctr">
+            <a:solidFill>
+              <a:srgbClr val="FF0000"/>
+            </a:solidFill>
+            <a:prstDash val="solid"/>
+            <a:round/>
+            <a:headEnd type="none" w="med" len="med"/>
+            <a:tailEnd type="none" w="med" len="med"/>
+          </a:ln>
+          <a:effectLst/>
+        </p:spPr>
+        <p:txBody>
+          <a:bodyPr vert="horz" wrap="square" lIns="90000" tIns="46800" rIns="90000" bIns="46800" numCol="1" rtlCol="0" anchor="t" anchorCtr="0" compatLnSpc="1">
+            <a:prstTxWarp prst="textNoShape">
+              <a:avLst/>
+            </a:prstTxWarp>
+            <a:spAutoFit/>
+          </a:bodyPr>
+          <a:lstStyle/>
+          <a:p>
+            <a:pPr marL="0" marR="0" indent="0" algn="l" defTabSz="914400" rtl="0" eaLnBrk="1" fontAlgn="base" latinLnBrk="0" hangingPunct="1">
+              <a:lnSpc>
+                <a:spcPct val="100000"/>
+              </a:lnSpc>
+              <a:spcBef>
+                <a:spcPct val="20000"/>
+              </a:spcBef>
+              <a:spcAft>
+                <a:spcPct val="0"/>
+              </a:spcAft>
+              <a:buClr>
+                <a:schemeClr val="bg2"/>
+              </a:buClr>
+              <a:buSzPct val="100000"/>
+              <a:buFontTx/>
+              <a:buChar char="•"/>
+              <a:tabLst/>
+            </a:pPr>
+            <a:endParaRPr kumimoji="0" lang="ko-KR" altLang="en-US" sz="1000" b="0" i="0" u="none" strike="noStrike" cap="none" normalizeH="0" baseline="0" smtClean="0">
+              <a:ln>
+                <a:noFill/>
+              </a:ln>
+              <a:solidFill>
+                <a:schemeClr val="tx1"/>
+              </a:solidFill>
+              <a:effectLst/>
+              <a:latin typeface="Arial" charset="0"/>
+              <a:ea typeface="가는각진제목체" pitchFamily="18" charset="-127"/>
+            </a:endParaRPr>
+          </a:p>
+        </p:txBody>
+      </p:sp>
+    </p:spTree>
+    <p:extLst>
+      <p:ext uri="{BB962C8B-B14F-4D97-AF65-F5344CB8AC3E}">
+        <p14:creationId xmlns:p14="http://schemas.microsoft.com/office/powerpoint/2010/main" val="1190172425"/>
+      </p:ext>
+    </p:extLst>
+  </p:cSld>
+  <p:clrMapOvr>
+    <a:masterClrMapping/>
+  </p:clrMapOvr>
+  <p:timing>
+    <p:tnLst>
+      <p:par>
+        <p:cTn id="1" dur="indefinite" restart="never" nodeType="tmRoot"/>
+      </p:par>
+    </p:tnLst>
+  </p:timing>
+</p:sld>
+</file>
+
+<file path=ppt/slides/slide7.xml><?xml version="1.0" encoding="utf-8"?>
+<p:sld xmlns:a="http://schemas.openxmlformats.org/drawingml/2006/main" xmlns:r="http://schemas.openxmlformats.org/officeDocument/2006/relationships" xmlns:p="http://schemas.openxmlformats.org/presentationml/2006/main">
+  <p:cSld>
+    <p:spTree>
+      <p:nvGrpSpPr>
+        <p:cNvPr id="1" name=""/>
+        <p:cNvGrpSpPr/>
+        <p:nvPr/>
+      </p:nvGrpSpPr>
+      <p:grpSpPr>
+        <a:xfrm>
+          <a:off x="0" y="0"/>
+          <a:ext cx="0" cy="0"/>
+          <a:chOff x="0" y="0"/>
+          <a:chExt cx="0" cy="0"/>
+        </a:xfrm>
+      </p:grpSpPr>
+      <p:sp>
+        <p:nvSpPr>
+          <p:cNvPr id="331781" name="Rectangle 2"/>
+          <p:cNvSpPr>
+            <a:spLocks noChangeArrowheads="1"/>
+          </p:cNvSpPr>
+          <p:nvPr/>
+        </p:nvSpPr>
+        <p:spPr bwMode="auto">
+          <a:xfrm>
+            <a:off x="273050" y="0"/>
+            <a:ext cx="9504363" cy="692150"/>
+          </a:xfrm>
+          <a:prstGeom prst="rect">
+            <a:avLst/>
+          </a:prstGeom>
+          <a:noFill/>
+          <a:ln w="9525">
+            <a:noFill/>
+            <a:miter lim="800000"/>
+            <a:headEnd/>
+            <a:tailEnd/>
+          </a:ln>
+        </p:spPr>
+        <p:txBody>
+          <a:bodyPr anchor="ctr" anchorCtr="0"/>
+          <a:lstStyle/>
+          <a:p>
+            <a:pPr eaLnBrk="1" hangingPunct="1">
+              <a:spcBef>
+                <a:spcPct val="0"/>
+              </a:spcBef>
+              <a:buClrTx/>
+            </a:pPr>
+            <a:endParaRPr lang="ko-KR" altLang="en-US" sz="1800" dirty="0">
+              <a:solidFill>
+                <a:schemeClr val="bg1"/>
+              </a:solidFill>
+            </a:endParaRPr>
+          </a:p>
+        </p:txBody>
+      </p:sp>
+      <p:sp>
+        <p:nvSpPr>
+          <p:cNvPr id="6179" name="슬라이드 번호 개체 틀 13"/>
+          <p:cNvSpPr txBox="1">
+            <a:spLocks noGrp="1"/>
+          </p:cNvSpPr>
+          <p:nvPr/>
+        </p:nvSpPr>
+        <p:spPr bwMode="auto">
+          <a:xfrm>
+            <a:off x="4665663" y="6538913"/>
+            <a:ext cx="557212" cy="304800"/>
+          </a:xfrm>
+          <a:prstGeom prst="rect">
+            <a:avLst/>
+          </a:prstGeom>
+          <a:noFill/>
+          <a:ln>
+            <a:miter lim="800000"/>
+            <a:headEnd/>
+            <a:tailEnd/>
+          </a:ln>
+        </p:spPr>
+        <p:txBody>
+          <a:bodyPr anchor="ctr"/>
+          <a:lstStyle/>
+          <a:p>
+            <a:pPr algn="ctr" eaLnBrk="1" hangingPunct="1">
+              <a:spcBef>
+                <a:spcPct val="0"/>
+              </a:spcBef>
+              <a:buClrTx/>
+              <a:defRPr/>
+            </a:pPr>
+            <a:fld id="{69188C54-76CB-4412-96DE-3B5465248ED9}" type="slidenum">
+              <a:rPr lang="en-US" altLang="ko-KR" sz="1100" b="0"/>
+              <a:pPr algn="ctr" eaLnBrk="1" hangingPunct="1">
+                <a:spcBef>
+                  <a:spcPct val="0"/>
+                </a:spcBef>
+                <a:buClrTx/>
+                <a:defRPr/>
+              </a:pPr>
+              <a:t>6</a:t>
+            </a:fld>
+            <a:endParaRPr lang="en-US" altLang="ko-KR" sz="1100" b="0"/>
+          </a:p>
+        </p:txBody>
+      </p:sp>
+      <p:sp>
+        <p:nvSpPr>
+          <p:cNvPr id="8" name="Rectangle 3"/>
+          <p:cNvSpPr txBox="1">
+            <a:spLocks noChangeArrowheads="1"/>
+          </p:cNvSpPr>
+          <p:nvPr/>
+        </p:nvSpPr>
+        <p:spPr bwMode="auto">
+          <a:xfrm>
+            <a:off x="668433" y="126767"/>
+            <a:ext cx="5078162" cy="438615"/>
+          </a:xfrm>
+          <a:prstGeom prst="rect">
+            <a:avLst/>
+          </a:prstGeom>
+          <a:noFill/>
+          <a:ln w="9525">
+            <a:noFill/>
+            <a:miter lim="800000"/>
+            <a:headEnd/>
+            <a:tailEnd/>
+          </a:ln>
+        </p:spPr>
+        <p:txBody>
+          <a:bodyPr/>
+          <a:lstStyle/>
+          <a:p>
+            <a:pPr>
+              <a:spcBef>
+                <a:spcPct val="0"/>
+              </a:spcBef>
+            </a:pPr>
+            <a:r>
+              <a:rPr lang="en-US" altLang="ko-KR" sz="1800" dirty="0"/>
+              <a:t>4. </a:t>
+            </a:r>
+            <a:r>
+              <a:rPr lang="ko-KR" altLang="en-US" sz="1800" dirty="0" smtClean="0"/>
+              <a:t>실습하기</a:t>
+            </a:r>
+            <a:endParaRPr lang="en-US" altLang="ko-KR" sz="1800" dirty="0"/>
+          </a:p>
+        </p:txBody>
+      </p:sp>
+      <p:sp>
+        <p:nvSpPr>
+          <p:cNvPr id="9" name="직사각형 2"/>
+          <p:cNvSpPr>
+            <a:spLocks noChangeArrowheads="1"/>
+          </p:cNvSpPr>
+          <p:nvPr/>
+        </p:nvSpPr>
+        <p:spPr bwMode="auto">
+          <a:xfrm>
+            <a:off x="668433" y="818917"/>
+            <a:ext cx="7948024" cy="302712"/>
+          </a:xfrm>
+          <a:prstGeom prst="rect">
+            <a:avLst/>
+          </a:prstGeom>
+          <a:noFill/>
+          <a:ln>
+            <a:noFill/>
+          </a:ln>
+          <a:extLst>
+            <a:ext uri="{909E8E84-426E-40DD-AFC4-6F175D3DCCD1}">
+              <a14:hiddenFill xmlns:a14="http://schemas.microsoft.com/office/drawing/2010/main">
+                <a:solidFill>
+                  <a:srgbClr val="FFFFFF"/>
+                </a:solidFill>
+              </a14:hiddenFill>
+            </a:ext>
+            <a:ext uri="{91240B29-F687-4F45-9708-019B960494DF}">
+              <a14:hiddenLine xmlns:a14="http://schemas.microsoft.com/office/drawing/2010/main" w="9525">
+                <a:solidFill>
+                  <a:srgbClr val="000000"/>
+                </a:solidFill>
+                <a:miter lim="800000"/>
+                <a:headEnd/>
+                <a:tailEnd/>
+              </a14:hiddenLine>
+            </a:ext>
+          </a:extLst>
+        </p:spPr>
+        <p:txBody>
+          <a:bodyPr>
+            <a:spAutoFit/>
+          </a:bodyPr>
+          <a:lstStyle/>
+          <a:p>
+            <a:pPr>
+              <a:defRPr/>
+            </a:pPr>
+            <a:r>
+              <a:rPr lang="en-US" altLang="ko-KR" sz="1367" dirty="0" smtClean="0"/>
+              <a:t>1</a:t>
+            </a:r>
+            <a:r>
+              <a:rPr lang="en-US" altLang="ko-KR" sz="1367" smtClean="0"/>
+              <a:t>. </a:t>
+            </a:r>
+            <a:r>
+              <a:rPr lang="en-US" altLang="ko-KR" sz="1367" smtClean="0"/>
+              <a:t>coverage </a:t>
+            </a:r>
+            <a:r>
+              <a:rPr lang="ko-KR" altLang="en-US" sz="1367" smtClean="0"/>
+              <a:t>확인</a:t>
+            </a:r>
+            <a:endParaRPr lang="ko-KR" altLang="en-US" sz="1367" dirty="0"/>
+          </a:p>
+        </p:txBody>
+      </p:sp>
+      <p:pic>
+        <p:nvPicPr>
+          <p:cNvPr id="2" name="그림 1"/>
+          <p:cNvPicPr>
+            <a:picLocks noChangeAspect="1"/>
+          </p:cNvPicPr>
+          <p:nvPr/>
+        </p:nvPicPr>
+        <p:blipFill>
+          <a:blip r:embed="rId2"/>
+          <a:stretch>
+            <a:fillRect/>
+          </a:stretch>
+        </p:blipFill>
+        <p:spPr>
+          <a:xfrm>
+            <a:off x="0" y="1889856"/>
+            <a:ext cx="9906000" cy="3078287"/>
+          </a:xfrm>
+          <a:prstGeom prst="rect">
+            <a:avLst/>
+          </a:prstGeom>
+        </p:spPr>
+      </p:pic>
+      <p:sp>
+        <p:nvSpPr>
+          <p:cNvPr id="10" name="직사각형 9"/>
+          <p:cNvSpPr/>
+          <p:nvPr/>
+        </p:nvSpPr>
+        <p:spPr bwMode="auto">
+          <a:xfrm>
+            <a:off x="3438144" y="3269894"/>
+            <a:ext cx="490118" cy="1484985"/>
+          </a:xfrm>
+          <a:prstGeom prst="rect">
+            <a:avLst/>
+          </a:prstGeom>
+          <a:noFill/>
+          <a:ln w="38100" cap="flat" cmpd="sng" algn="ctr">
+            <a:solidFill>
+              <a:srgbClr val="FF0000"/>
+            </a:solidFill>
+            <a:prstDash val="solid"/>
+            <a:round/>
+            <a:headEnd type="none" w="med" len="med"/>
+            <a:tailEnd type="none" w="med" len="med"/>
+          </a:ln>
+          <a:effectLst/>
+        </p:spPr>
+        <p:txBody>
+          <a:bodyPr vert="horz" wrap="square" lIns="90000" tIns="46800" rIns="90000" bIns="46800" numCol="1" rtlCol="0" anchor="t" anchorCtr="0" compatLnSpc="1">
+            <a:prstTxWarp prst="textNoShape">
+              <a:avLst/>
+            </a:prstTxWarp>
+            <a:spAutoFit/>
+          </a:bodyPr>
+          <a:lstStyle/>
+          <a:p>
+            <a:pPr marL="0" marR="0" indent="0" algn="l" defTabSz="914400" rtl="0" eaLnBrk="1" fontAlgn="base" latinLnBrk="0" hangingPunct="1">
+              <a:lnSpc>
+                <a:spcPct val="100000"/>
+              </a:lnSpc>
+              <a:spcBef>
+                <a:spcPct val="20000"/>
+              </a:spcBef>
+              <a:spcAft>
+                <a:spcPct val="0"/>
+              </a:spcAft>
+              <a:buClr>
+                <a:schemeClr val="bg2"/>
+              </a:buClr>
+              <a:buSzPct val="100000"/>
+              <a:buFontTx/>
+              <a:buChar char="•"/>
+              <a:tabLst/>
+            </a:pPr>
+            <a:endParaRPr kumimoji="0" lang="ko-KR" altLang="en-US" sz="1000" b="0" i="0" u="none" strike="noStrike" cap="none" normalizeH="0" baseline="0" smtClean="0">
+              <a:ln>
+                <a:noFill/>
+              </a:ln>
+              <a:solidFill>
+                <a:schemeClr val="tx1"/>
+              </a:solidFill>
+              <a:effectLst/>
+              <a:latin typeface="Arial" charset="0"/>
+              <a:ea typeface="가는각진제목체" pitchFamily="18" charset="-127"/>
+            </a:endParaRPr>
+          </a:p>
+        </p:txBody>
+      </p:sp>
+    </p:spTree>
+    <p:extLst>
+      <p:ext uri="{BB962C8B-B14F-4D97-AF65-F5344CB8AC3E}">
+        <p14:creationId xmlns:p14="http://schemas.microsoft.com/office/powerpoint/2010/main" val="3235090733"/>
       </p:ext>
     </p:extLst>
   </p:cSld>
